--- a/Web Design/CSS/1. Fundamentals/Fundamentals.pptx
+++ b/Web Design/CSS/1. Fundamentals/Fundamentals.pptx
@@ -260,7 +260,7 @@
             <a:fld id="{3BF7C7B5-275F-4D1F-9AB4-9255447DBC73}" type="datetimeFigureOut">
               <a:rPr lang="en-US"/>
               <a:pPr/>
-              <a:t>1/30/2014</a:t>
+              <a:t>2/2/2014</a:t>
             </a:fld>
             <a:endParaRPr lang="en-US" dirty="0"/>
           </a:p>
@@ -491,7 +491,7 @@
             <a:fld id="{9B46F231-FB2B-4655-A644-E2477325E686}" type="datetimeFigureOut">
               <a:rPr lang="en-US"/>
               <a:pPr/>
-              <a:t>1/30/2014</a:t>
+              <a:t>2/2/2014</a:t>
             </a:fld>
             <a:endParaRPr lang="en-US" dirty="0"/>
           </a:p>
@@ -5527,7 +5527,7 @@
         <p:spPr>
           <a:xfrm>
             <a:off x="228599" y="533400"/>
-            <a:ext cx="8686801" cy="5410200"/>
+            <a:ext cx="8686801" cy="1219200"/>
           </a:xfrm>
           <a:prstGeom prst="rect">
             <a:avLst/>
@@ -5788,81 +5788,7 @@
             </a:pPr>
             <a:r>
               <a:rPr lang="en-US" sz="2800" dirty="0" smtClean="0"/>
-              <a:t>Create the following Web page using external CSS styles. </a:t>
-            </a:r>
-          </a:p>
-          <a:p>
-            <a:pPr marL="514350" indent="-514350">
-              <a:buFont typeface="+mj-lt"/>
-              <a:buAutoNum type="arabicPeriod" startAt="2"/>
-              <a:tabLst/>
-            </a:pPr>
-            <a:endParaRPr lang="en-US" sz="2800" dirty="0"/>
-          </a:p>
-          <a:p>
-            <a:pPr marL="514350" indent="-514350">
-              <a:buFont typeface="+mj-lt"/>
-              <a:buAutoNum type="arabicPeriod" startAt="2"/>
-              <a:tabLst/>
-            </a:pPr>
-            <a:endParaRPr lang="en-US" sz="2800" dirty="0" smtClean="0"/>
-          </a:p>
-          <a:p>
-            <a:pPr marL="514350" indent="-514350">
-              <a:buFont typeface="+mj-lt"/>
-              <a:buAutoNum type="arabicPeriod" startAt="2"/>
-              <a:tabLst/>
-            </a:pPr>
-            <a:endParaRPr lang="en-US" sz="2800" dirty="0"/>
-          </a:p>
-          <a:p>
-            <a:pPr marL="514350" indent="-514350">
-              <a:buFont typeface="+mj-lt"/>
-              <a:buAutoNum type="arabicPeriod" startAt="2"/>
-              <a:tabLst/>
-            </a:pPr>
-            <a:endParaRPr lang="en-US" sz="2800" dirty="0" smtClean="0"/>
-          </a:p>
-          <a:p>
-            <a:pPr marL="514350" indent="-514350">
-              <a:buFont typeface="+mj-lt"/>
-              <a:buAutoNum type="arabicPeriod" startAt="2"/>
-              <a:tabLst/>
-            </a:pPr>
-            <a:r>
-              <a:rPr lang="en-US" sz="2800" dirty="0"/>
-              <a:t>Create a web page using </a:t>
-            </a:r>
-            <a:r>
-              <a:rPr lang="en-US" sz="2800" dirty="0" smtClean="0"/>
-              <a:t>design </a:t>
-            </a:r>
-            <a:r>
-              <a:rPr lang="en-US" sz="2800" dirty="0" smtClean="0"/>
-              <a:t>below </a:t>
-            </a:r>
-            <a:r>
-              <a:rPr lang="en-US" sz="2800" dirty="0" smtClean="0"/>
-              <a:t>and </a:t>
-            </a:r>
-            <a:r>
-              <a:rPr lang="en-US" sz="2800" dirty="0"/>
-              <a:t>the HTML markup in </a:t>
-            </a:r>
-            <a:r>
-              <a:rPr lang="en-US" sz="2800" dirty="0" smtClean="0">
-                <a:solidFill>
-                  <a:schemeClr val="accent5">
-                    <a:lumMod val="20000"/>
-                    <a:lumOff val="80000"/>
-                  </a:schemeClr>
-                </a:solidFill>
-              </a:rPr>
-              <a:t>index.html</a:t>
-            </a:r>
-            <a:r>
-              <a:rPr lang="en-US" sz="2800" dirty="0" smtClean="0"/>
-              <a:t>.</a:t>
+              <a:t>Create the following Web page using external CSS styles.</a:t>
             </a:r>
             <a:endParaRPr lang="en-US" sz="2800" dirty="0"/>
           </a:p>
@@ -5889,7 +5815,7 @@
         </p:blipFill>
         <p:spPr bwMode="auto">
           <a:xfrm>
-            <a:off x="634122" y="1723572"/>
+            <a:off x="634122" y="2032000"/>
             <a:ext cx="7875756" cy="2311400"/>
           </a:xfrm>
           <a:prstGeom prst="rect">
@@ -5941,35 +5867,6 @@
           <a:chExt cx="0" cy="0"/>
         </a:xfrm>
       </p:grpSpPr>
-      <p:sp>
-        <p:nvSpPr>
-          <p:cNvPr id="4" name="Slide Number Placeholder 3"/>
-          <p:cNvSpPr>
-            <a:spLocks noGrp="1"/>
-          </p:cNvSpPr>
-          <p:nvPr>
-            <p:ph type="sldNum" sz="quarter" idx="10"/>
-          </p:nvPr>
-        </p:nvSpPr>
-        <p:spPr/>
-        <p:txBody>
-          <a:bodyPr/>
-          <a:lstStyle/>
-          <a:p>
-            <a:pPr>
-              <a:defRPr/>
-            </a:pPr>
-            <a:fld id="{58452FF4-89E3-4D1B-9927-2DBDC00E58D7}" type="slidenum">
-              <a:rPr lang="en-US" smtClean="0"/>
-              <a:pPr>
-                <a:defRPr/>
-              </a:pPr>
-              <a:t>3</a:t>
-            </a:fld>
-            <a:endParaRPr lang="en-US" dirty="0"/>
-          </a:p>
-        </p:txBody>
-      </p:sp>
       <p:pic>
         <p:nvPicPr>
           <p:cNvPr id="5" name="Picture 4" descr="screenshot.png"/>
@@ -5980,20 +5877,314 @@
         </p:nvPicPr>
         <p:blipFill>
           <a:blip r:embed="rId2"/>
+          <a:srcRect l="1020" t="14646" r="1020" b="1472"/>
           <a:stretch>
             <a:fillRect/>
           </a:stretch>
         </p:blipFill>
         <p:spPr>
           <a:xfrm>
-            <a:off x="838200" y="533400"/>
-            <a:ext cx="7467600" cy="5723032"/>
+            <a:off x="914400" y="1676400"/>
+            <a:ext cx="7315200" cy="4800600"/>
           </a:xfrm>
           <a:prstGeom prst="rect">
             <a:avLst/>
           </a:prstGeom>
         </p:spPr>
       </p:pic>
+      <p:sp>
+        <p:nvSpPr>
+          <p:cNvPr id="7" name="Content Placeholder 2"/>
+          <p:cNvSpPr txBox="1">
+            <a:spLocks/>
+          </p:cNvSpPr>
+          <p:nvPr/>
+        </p:nvSpPr>
+        <p:spPr>
+          <a:xfrm>
+            <a:off x="228599" y="304800"/>
+            <a:ext cx="8686801" cy="1066800"/>
+          </a:xfrm>
+          <a:prstGeom prst="rect">
+            <a:avLst/>
+          </a:prstGeom>
+        </p:spPr>
+        <p:txBody>
+          <a:bodyPr/>
+          <a:lstStyle>
+            <a:lvl1pPr marL="282575" indent="-282575" algn="l" rtl="0" eaLnBrk="1" fontAlgn="base" hangingPunct="1">
+              <a:lnSpc>
+                <a:spcPts val="3800"/>
+              </a:lnSpc>
+              <a:spcBef>
+                <a:spcPts val="600"/>
+              </a:spcBef>
+              <a:spcAft>
+                <a:spcPts val="600"/>
+              </a:spcAft>
+              <a:buClr>
+                <a:schemeClr val="accent5">
+                  <a:lumMod val="40000"/>
+                  <a:lumOff val="60000"/>
+                </a:schemeClr>
+              </a:buClr>
+              <a:buSzPct val="70000"/>
+              <a:buFont typeface="Wingdings 2" pitchFamily="18" charset="2"/>
+              <a:buChar char=""/>
+              <a:tabLst>
+                <a:tab pos="282575" algn="l"/>
+              </a:tabLst>
+              <a:defRPr sz="3200" b="1" kern="1200">
+                <a:solidFill>
+                  <a:srgbClr val="EBFFD2"/>
+                </a:solidFill>
+                <a:effectLst>
+                  <a:outerShdw blurRad="38100" dist="38100" dir="2700000" algn="tl">
+                    <a:srgbClr val="000000">
+                      <a:alpha val="43137"/>
+                    </a:srgbClr>
+                  </a:outerShdw>
+                </a:effectLst>
+                <a:latin typeface="+mn-lt"/>
+                <a:ea typeface="+mn-ea"/>
+                <a:cs typeface="+mn-cs"/>
+              </a:defRPr>
+            </a:lvl1pPr>
+            <a:lvl2pPr marL="630238" indent="-273050" algn="l" rtl="0" eaLnBrk="1" fontAlgn="base" hangingPunct="1">
+              <a:lnSpc>
+                <a:spcPts val="3800"/>
+              </a:lnSpc>
+              <a:spcBef>
+                <a:spcPts val="600"/>
+              </a:spcBef>
+              <a:spcAft>
+                <a:spcPts val="600"/>
+              </a:spcAft>
+              <a:buClr>
+                <a:srgbClr val="8FD600"/>
+              </a:buClr>
+              <a:buFont typeface="Wingdings 2" pitchFamily="18" charset="2"/>
+              <a:buChar char=""/>
+              <a:defRPr sz="3000" b="1" kern="1200">
+                <a:solidFill>
+                  <a:schemeClr val="tx1">
+                    <a:lumMod val="40000"/>
+                    <a:lumOff val="60000"/>
+                  </a:schemeClr>
+                </a:solidFill>
+                <a:effectLst>
+                  <a:outerShdw blurRad="38100" dist="38100" dir="2700000" algn="tl">
+                    <a:srgbClr val="000000">
+                      <a:alpha val="43137"/>
+                    </a:srgbClr>
+                  </a:outerShdw>
+                </a:effectLst>
+                <a:latin typeface="+mn-lt"/>
+                <a:ea typeface="+mn-ea"/>
+                <a:cs typeface="+mn-cs"/>
+              </a:defRPr>
+            </a:lvl2pPr>
+            <a:lvl3pPr marL="922338" indent="-273050" algn="l" rtl="0" eaLnBrk="1" fontAlgn="base" hangingPunct="1">
+              <a:lnSpc>
+                <a:spcPts val="3800"/>
+              </a:lnSpc>
+              <a:spcBef>
+                <a:spcPts val="600"/>
+              </a:spcBef>
+              <a:spcAft>
+                <a:spcPts val="600"/>
+              </a:spcAft>
+              <a:buClr>
+                <a:srgbClr val="FFAD9F"/>
+              </a:buClr>
+              <a:buFont typeface="Wingdings 2" pitchFamily="18" charset="2"/>
+              <a:buChar char=""/>
+              <a:defRPr sz="2800" b="1" kern="1200">
+                <a:solidFill>
+                  <a:srgbClr val="F5FFC2"/>
+                </a:solidFill>
+                <a:effectLst>
+                  <a:outerShdw blurRad="38100" dist="38100" dir="2700000" algn="tl">
+                    <a:srgbClr val="000000">
+                      <a:alpha val="43137"/>
+                    </a:srgbClr>
+                  </a:outerShdw>
+                </a:effectLst>
+                <a:latin typeface="+mn-lt"/>
+                <a:ea typeface="+mn-ea"/>
+                <a:cs typeface="+mn-cs"/>
+              </a:defRPr>
+            </a:lvl3pPr>
+            <a:lvl4pPr marL="1187450" indent="-228600" algn="l" rtl="0" eaLnBrk="1" fontAlgn="base" hangingPunct="1">
+              <a:lnSpc>
+                <a:spcPts val="3800"/>
+              </a:lnSpc>
+              <a:spcBef>
+                <a:spcPts val="600"/>
+              </a:spcBef>
+              <a:spcAft>
+                <a:spcPts val="600"/>
+              </a:spcAft>
+              <a:buClr>
+                <a:srgbClr val="FACF82"/>
+              </a:buClr>
+              <a:buFont typeface="Wingdings 2" pitchFamily="18" charset="2"/>
+              <a:buChar char=""/>
+              <a:defRPr sz="2600" b="1" kern="1200">
+                <a:solidFill>
+                  <a:schemeClr val="tx1">
+                    <a:lumMod val="40000"/>
+                    <a:lumOff val="60000"/>
+                  </a:schemeClr>
+                </a:solidFill>
+                <a:effectLst>
+                  <a:outerShdw blurRad="38100" dist="38100" dir="2700000" algn="tl">
+                    <a:srgbClr val="000000">
+                      <a:alpha val="43137"/>
+                    </a:srgbClr>
+                  </a:outerShdw>
+                </a:effectLst>
+                <a:latin typeface="+mn-lt"/>
+                <a:ea typeface="+mn-ea"/>
+                <a:cs typeface="+mn-cs"/>
+              </a:defRPr>
+            </a:lvl4pPr>
+            <a:lvl5pPr marL="1425575" indent="-228600" algn="l" rtl="0" eaLnBrk="1" fontAlgn="base" hangingPunct="1">
+              <a:lnSpc>
+                <a:spcPts val="3800"/>
+              </a:lnSpc>
+              <a:spcBef>
+                <a:spcPts val="600"/>
+              </a:spcBef>
+              <a:spcAft>
+                <a:spcPts val="600"/>
+              </a:spcAft>
+              <a:buClr>
+                <a:srgbClr val="46A6BD"/>
+              </a:buClr>
+              <a:buFont typeface="Wingdings 2" pitchFamily="18" charset="2"/>
+              <a:buChar char=""/>
+              <a:defRPr sz="2400" b="1" kern="1200">
+                <a:solidFill>
+                  <a:schemeClr val="tx1">
+                    <a:lumMod val="40000"/>
+                    <a:lumOff val="60000"/>
+                  </a:schemeClr>
+                </a:solidFill>
+                <a:effectLst>
+                  <a:outerShdw blurRad="38100" dist="38100" dir="2700000" algn="tl">
+                    <a:srgbClr val="000000">
+                      <a:alpha val="43137"/>
+                    </a:srgbClr>
+                  </a:outerShdw>
+                </a:effectLst>
+                <a:latin typeface="+mn-lt"/>
+                <a:ea typeface="+mn-ea"/>
+                <a:cs typeface="+mn-cs"/>
+              </a:defRPr>
+            </a:lvl5pPr>
+            <a:lvl6pPr marL="1673352" indent="-228600" algn="l" rtl="0" eaLnBrk="1" latinLnBrk="0" hangingPunct="1">
+              <a:spcBef>
+                <a:spcPct val="20000"/>
+              </a:spcBef>
+              <a:buClr>
+                <a:schemeClr val="accent6"/>
+              </a:buClr>
+              <a:buFont typeface="Wingdings 2"/>
+              <a:buChar char=""/>
+              <a:defRPr sz="1800" kern="1200">
+                <a:solidFill>
+                  <a:schemeClr val="tx1"/>
+                </a:solidFill>
+                <a:latin typeface="+mn-lt"/>
+                <a:ea typeface="+mn-ea"/>
+                <a:cs typeface="+mn-cs"/>
+              </a:defRPr>
+            </a:lvl6pPr>
+            <a:lvl7pPr marL="1911096" indent="-228600" algn="l" rtl="0" eaLnBrk="1" latinLnBrk="0" hangingPunct="1">
+              <a:spcBef>
+                <a:spcPct val="20000"/>
+              </a:spcBef>
+              <a:buClr>
+                <a:schemeClr val="tx2"/>
+              </a:buClr>
+              <a:buFont typeface="Wingdings 2"/>
+              <a:buChar char=""/>
+              <a:defRPr sz="1600" kern="1200">
+                <a:solidFill>
+                  <a:schemeClr val="tx1"/>
+                </a:solidFill>
+                <a:latin typeface="+mn-lt"/>
+                <a:ea typeface="+mn-ea"/>
+                <a:cs typeface="+mn-cs"/>
+              </a:defRPr>
+            </a:lvl7pPr>
+            <a:lvl8pPr marL="2121408" indent="-182880" algn="l" rtl="0" eaLnBrk="1" latinLnBrk="0" hangingPunct="1">
+              <a:spcBef>
+                <a:spcPct val="20000"/>
+              </a:spcBef>
+              <a:buClr>
+                <a:schemeClr val="tx2"/>
+              </a:buClr>
+              <a:buFont typeface="Wingdings 2"/>
+              <a:buChar char=""/>
+              <a:defRPr sz="1400" kern="1200">
+                <a:solidFill>
+                  <a:schemeClr val="tx1"/>
+                </a:solidFill>
+                <a:latin typeface="+mn-lt"/>
+                <a:ea typeface="+mn-ea"/>
+                <a:cs typeface="+mn-cs"/>
+              </a:defRPr>
+            </a:lvl8pPr>
+            <a:lvl9pPr marL="2322576" indent="-182880" algn="l" rtl="0" eaLnBrk="1" latinLnBrk="0" hangingPunct="1">
+              <a:spcBef>
+                <a:spcPct val="20000"/>
+              </a:spcBef>
+              <a:buClr>
+                <a:schemeClr val="tx2"/>
+              </a:buClr>
+              <a:buFont typeface="Wingdings 2"/>
+              <a:buChar char=""/>
+              <a:defRPr sz="1400" kern="1200">
+                <a:solidFill>
+                  <a:schemeClr val="tx1"/>
+                </a:solidFill>
+                <a:latin typeface="+mn-lt"/>
+                <a:ea typeface="+mn-ea"/>
+                <a:cs typeface="+mn-cs"/>
+              </a:defRPr>
+            </a:lvl9pPr>
+          </a:lstStyle>
+          <a:p>
+            <a:pPr marL="514350" indent="-514350">
+              <a:buFont typeface="+mj-lt"/>
+              <a:buAutoNum type="arabicPeriod" startAt="3"/>
+              <a:tabLst/>
+            </a:pPr>
+            <a:r>
+              <a:rPr lang="en-US" sz="2800" dirty="0" smtClean="0"/>
+              <a:t>Create a web page using design below and the HTML markup in </a:t>
+            </a:r>
+            <a:r>
+              <a:rPr lang="en-US" sz="2800" dirty="0" smtClean="0">
+                <a:solidFill>
+                  <a:schemeClr val="accent5">
+                    <a:lumMod val="20000"/>
+                    <a:lumOff val="80000"/>
+                  </a:schemeClr>
+                </a:solidFill>
+              </a:rPr>
+              <a:t>index.html</a:t>
+            </a:r>
+            <a:r>
+              <a:rPr lang="en-US" sz="2800" dirty="0" smtClean="0"/>
+              <a:t>.</a:t>
+            </a:r>
+            <a:endParaRPr lang="en-US" sz="2800" dirty="0"/>
+          </a:p>
+        </p:txBody>
+      </p:sp>
     </p:spTree>
   </p:cSld>
   <p:clrMapOvr>
